--- a/presentations-de/praesentation-01-einleitung.pptx
+++ b/presentations-de/praesentation-01-einleitung.pptx
@@ -198,7 +198,7 @@
             <a:fld id="{14279C90-4B83-44D1-A60F-44A75D7A4CD8}" type="datetimeFigureOut">
               <a:rPr lang="de-DE" smtClean="0"/>
               <a:pPr/>
-              <a:t>15.07.2012</a:t>
+              <a:t>29.10.2012</a:t>
             </a:fld>
             <a:endParaRPr lang="de-DE"/>
           </a:p>
@@ -756,7 +756,7 @@
             <a:pPr algn="ctr" eaLnBrk="1" latinLnBrk="0" hangingPunct="1"/>
             <a:r>
               <a:rPr lang="de-DE" smtClean="0"/>
-              <a:t>v1.3 (2012-07)</a:t>
+              <a:t>v2.0</a:t>
             </a:r>
             <a:endParaRPr lang="en-US" sz="2000" dirty="0">
               <a:solidFill>
@@ -801,7 +801,7 @@
                   <a:schemeClr val="tx2"/>
                 </a:solidFill>
               </a:rPr>
-              <a:t>Programmieren in Java / Einführung</a:t>
+              <a:t>Programmieren / Einleitung</a:t>
             </a:r>
             <a:endParaRPr kumimoji="0" lang="en-US" dirty="0">
               <a:solidFill>
@@ -976,7 +976,7 @@
           <a:p>
             <a:r>
               <a:rPr lang="de-DE" smtClean="0"/>
-              <a:t>v1.3 (2012-07)</a:t>
+              <a:t>v2.0</a:t>
             </a:r>
             <a:endParaRPr lang="en-US"/>
           </a:p>
@@ -999,7 +999,7 @@
           <a:p>
             <a:r>
               <a:rPr kumimoji="0" lang="de-CH" smtClean="0"/>
-              <a:t>Programmieren in Java / Einführung</a:t>
+              <a:t>Programmieren / Einleitung</a:t>
             </a:r>
             <a:endParaRPr kumimoji="0" lang="en-US"/>
           </a:p>
@@ -1161,7 +1161,7 @@
           <a:p>
             <a:r>
               <a:rPr lang="de-DE" smtClean="0"/>
-              <a:t>v1.3 (2012-07)</a:t>
+              <a:t>v2.0</a:t>
             </a:r>
             <a:endParaRPr lang="en-US" dirty="0"/>
           </a:p>
@@ -1189,7 +1189,7 @@
           <a:p>
             <a:r>
               <a:rPr kumimoji="0" lang="de-CH" smtClean="0"/>
-              <a:t>Programmieren in Java / Einführung</a:t>
+              <a:t>Programmieren / Einleitung</a:t>
             </a:r>
             <a:endParaRPr kumimoji="0" lang="en-US" dirty="0"/>
           </a:p>
@@ -1429,7 +1429,7 @@
           <a:p>
             <a:r>
               <a:rPr lang="de-DE" smtClean="0"/>
-              <a:t>v1.3 (2012-07)</a:t>
+              <a:t>v2.0</a:t>
             </a:r>
             <a:endParaRPr lang="en-US" dirty="0"/>
           </a:p>
@@ -1452,7 +1452,7 @@
           <a:p>
             <a:r>
               <a:rPr kumimoji="0" lang="de-CH" smtClean="0"/>
-              <a:t>Programmieren in Java / Einführung</a:t>
+              <a:t>Programmieren / Einleitung</a:t>
             </a:r>
             <a:endParaRPr kumimoji="0" lang="en-US"/>
           </a:p>
@@ -1856,7 +1856,7 @@
           <a:p>
             <a:r>
               <a:rPr lang="de-DE" smtClean="0"/>
-              <a:t>v1.3 (2012-07)</a:t>
+              <a:t>v2.0</a:t>
             </a:r>
             <a:endParaRPr lang="en-US"/>
           </a:p>
@@ -1923,7 +1923,7 @@
           <a:p>
             <a:r>
               <a:rPr kumimoji="0" lang="de-CH" smtClean="0"/>
-              <a:t>Programmieren in Java / Einführung</a:t>
+              <a:t>Programmieren / Einleitung</a:t>
             </a:r>
             <a:endParaRPr kumimoji="0" lang="en-US"/>
           </a:p>
@@ -2115,7 +2115,7 @@
           <a:p>
             <a:r>
               <a:rPr lang="de-DE" smtClean="0"/>
-              <a:t>v1.3 (2012-07)</a:t>
+              <a:t>v2.0</a:t>
             </a:r>
             <a:endParaRPr lang="en-US"/>
           </a:p>
@@ -2163,7 +2163,7 @@
           <a:p>
             <a:r>
               <a:rPr kumimoji="0" lang="de-CH" smtClean="0"/>
-              <a:t>Programmieren in Java / Einführung</a:t>
+              <a:t>Programmieren / Einleitung</a:t>
             </a:r>
             <a:endParaRPr kumimoji="0" lang="en-US"/>
           </a:p>
@@ -2364,7 +2364,7 @@
           <a:p>
             <a:r>
               <a:rPr lang="de-DE" smtClean="0"/>
-              <a:t>v1.3 (2012-07)</a:t>
+              <a:t>v2.0</a:t>
             </a:r>
             <a:endParaRPr lang="en-US"/>
           </a:p>
@@ -2412,7 +2412,7 @@
           <a:p>
             <a:r>
               <a:rPr kumimoji="0" lang="de-CH" smtClean="0"/>
-              <a:t>Programmieren in Java / Einführung</a:t>
+              <a:t>Programmieren / Einleitung</a:t>
             </a:r>
             <a:endParaRPr kumimoji="0" lang="en-US"/>
           </a:p>
@@ -2572,7 +2572,7 @@
           <a:p>
             <a:r>
               <a:rPr lang="de-DE" smtClean="0"/>
-              <a:t>v1.3 (2012-07)</a:t>
+              <a:t>v2.0</a:t>
             </a:r>
             <a:endParaRPr lang="en-US"/>
           </a:p>
@@ -2595,7 +2595,7 @@
           <a:p>
             <a:r>
               <a:rPr kumimoji="0" lang="de-CH" smtClean="0"/>
-              <a:t>Programmieren in Java / Einführung</a:t>
+              <a:t>Programmieren / Einleitung</a:t>
             </a:r>
             <a:endParaRPr kumimoji="0" lang="en-US"/>
           </a:p>
@@ -2686,7 +2686,7 @@
           <a:p>
             <a:r>
               <a:rPr lang="de-DE" smtClean="0"/>
-              <a:t>v1.3 (2012-07)</a:t>
+              <a:t>v2.0</a:t>
             </a:r>
             <a:endParaRPr lang="en-US"/>
           </a:p>
@@ -2709,7 +2709,7 @@
           <a:p>
             <a:r>
               <a:rPr kumimoji="0" lang="de-CH" smtClean="0"/>
-              <a:t>Programmieren in Java / Einführung</a:t>
+              <a:t>Programmieren / Einleitung</a:t>
             </a:r>
             <a:endParaRPr kumimoji="0" lang="en-US" dirty="0"/>
           </a:p>
@@ -2831,7 +2831,7 @@
           <a:p>
             <a:r>
               <a:rPr lang="de-DE" smtClean="0"/>
-              <a:t>v1.3 (2012-07)</a:t>
+              <a:t>v2.0</a:t>
             </a:r>
             <a:endParaRPr lang="en-US"/>
           </a:p>
@@ -2854,7 +2854,7 @@
           <a:p>
             <a:r>
               <a:rPr kumimoji="0" lang="de-CH" smtClean="0"/>
-              <a:t>Programmieren in Java / Einführung</a:t>
+              <a:t>Programmieren / Einleitung</a:t>
             </a:r>
             <a:endParaRPr kumimoji="0" lang="en-US"/>
           </a:p>
@@ -3353,7 +3353,7 @@
           <a:p>
             <a:r>
               <a:rPr lang="de-DE" smtClean="0"/>
-              <a:t>v1.3 (2012-07)</a:t>
+              <a:t>v2.0</a:t>
             </a:r>
             <a:endParaRPr lang="en-US"/>
           </a:p>
@@ -3415,7 +3415,7 @@
           <a:p>
             <a:r>
               <a:rPr kumimoji="0" lang="de-CH" smtClean="0"/>
-              <a:t>Programmieren in Java / Einführung</a:t>
+              <a:t>Programmieren / Einleitung</a:t>
             </a:r>
             <a:endParaRPr kumimoji="0" lang="en-US" dirty="0"/>
           </a:p>
@@ -3620,7 +3620,7 @@
           <a:p>
             <a:r>
               <a:rPr lang="de-DE" smtClean="0"/>
-              <a:t>v1.3 (2012-07)</a:t>
+              <a:t>v2.0</a:t>
             </a:r>
             <a:endParaRPr lang="en-US" dirty="0"/>
           </a:p>
@@ -3659,7 +3659,7 @@
           <a:p>
             <a:r>
               <a:rPr lang="de-CH" smtClean="0"/>
-              <a:t>Programmieren in Java / Einführung</a:t>
+              <a:t>Programmieren / Einleitung</a:t>
             </a:r>
             <a:endParaRPr lang="en-US" dirty="0"/>
           </a:p>
@@ -4237,31 +4237,31 @@
           <a:lstStyle/>
           <a:p>
             <a:r>
-              <a:rPr lang="de-CH" smtClean="0"/>
+              <a:rPr lang="de-CH" dirty="0" smtClean="0"/>
+              <a:t>Programmieren</a:t>
+            </a:r>
+            <a:endParaRPr lang="de-DE" dirty="0"/>
+          </a:p>
+        </p:txBody>
+      </p:sp>
+      <p:sp>
+        <p:nvSpPr>
+          <p:cNvPr id="3" name="Untertitel 2"/>
+          <p:cNvSpPr>
+            <a:spLocks noGrp="1"/>
+          </p:cNvSpPr>
+          <p:nvPr>
+            <p:ph type="subTitle" idx="1"/>
+          </p:nvPr>
+        </p:nvSpPr>
+        <p:spPr/>
+        <p:txBody>
+          <a:bodyPr/>
+          <a:lstStyle/>
+          <a:p>
+            <a:r>
+              <a:rPr lang="de-DE" smtClean="0"/>
               <a:t>Einleitung</a:t>
-            </a:r>
-            <a:endParaRPr lang="de-DE" dirty="0"/>
-          </a:p>
-        </p:txBody>
-      </p:sp>
-      <p:sp>
-        <p:nvSpPr>
-          <p:cNvPr id="3" name="Untertitel 2"/>
-          <p:cNvSpPr>
-            <a:spLocks noGrp="1"/>
-          </p:cNvSpPr>
-          <p:nvPr>
-            <p:ph type="subTitle" idx="1"/>
-          </p:nvPr>
-        </p:nvSpPr>
-        <p:spPr/>
-        <p:txBody>
-          <a:bodyPr/>
-          <a:lstStyle/>
-          <a:p>
-            <a:r>
-              <a:rPr lang="de-DE" dirty="0" smtClean="0"/>
-              <a:t>Programmieren</a:t>
             </a:r>
             <a:endParaRPr lang="de-DE" dirty="0"/>
           </a:p>
@@ -4338,8 +4338,8 @@
           <a:lstStyle/>
           <a:p>
             <a:r>
-              <a:rPr lang="de-DE" dirty="0" smtClean="0"/>
-              <a:t>v1.3 (2012-07)</a:t>
+              <a:rPr lang="de-DE" smtClean="0"/>
+              <a:t>v2.0</a:t>
             </a:r>
             <a:endParaRPr lang="en-US" dirty="0"/>
           </a:p>
@@ -4362,7 +4362,7 @@
           <a:p>
             <a:r>
               <a:rPr kumimoji="0" lang="de-CH" smtClean="0"/>
-              <a:t>Programmieren in Java / Einführung</a:t>
+              <a:t>Programmieren / Einleitung</a:t>
             </a:r>
             <a:endParaRPr kumimoji="0" lang="en-US"/>
           </a:p>
@@ -4703,7 +4703,7 @@
           <a:p>
             <a:r>
               <a:rPr lang="de-DE" smtClean="0"/>
-              <a:t>v1.3 (2012-07)</a:t>
+              <a:t>v2.0</a:t>
             </a:r>
             <a:endParaRPr lang="en-US" dirty="0"/>
           </a:p>
@@ -4726,7 +4726,7 @@
           <a:p>
             <a:r>
               <a:rPr kumimoji="0" lang="de-CH" smtClean="0"/>
-              <a:t>Programmieren in Java / Einführung</a:t>
+              <a:t>Programmieren / Einleitung</a:t>
             </a:r>
             <a:endParaRPr kumimoji="0" lang="en-US"/>
           </a:p>
@@ -5164,7 +5164,7 @@
           <a:p>
             <a:r>
               <a:rPr lang="de-DE" smtClean="0"/>
-              <a:t>v1.3 (2012-07)</a:t>
+              <a:t>v2.0</a:t>
             </a:r>
             <a:endParaRPr lang="en-US" dirty="0"/>
           </a:p>
@@ -5187,7 +5187,7 @@
           <a:p>
             <a:r>
               <a:rPr kumimoji="0" lang="de-CH" smtClean="0"/>
-              <a:t>Programmieren in Java / Einführung</a:t>
+              <a:t>Programmieren / Einleitung</a:t>
             </a:r>
             <a:endParaRPr kumimoji="0" lang="en-US"/>
           </a:p>
@@ -5701,7 +5701,7 @@
           <a:p>
             <a:r>
               <a:rPr lang="de-DE" smtClean="0"/>
-              <a:t>v1.3 (2012-07)</a:t>
+              <a:t>v2.0</a:t>
             </a:r>
             <a:endParaRPr lang="en-US" dirty="0"/>
           </a:p>
@@ -5724,7 +5724,7 @@
           <a:p>
             <a:r>
               <a:rPr kumimoji="0" lang="de-CH" smtClean="0"/>
-              <a:t>Programmieren in Java / Einführung</a:t>
+              <a:t>Programmieren / Einleitung</a:t>
             </a:r>
             <a:endParaRPr kumimoji="0" lang="en-US"/>
           </a:p>
@@ -5862,7 +5862,7 @@
           <a:p>
             <a:r>
               <a:rPr lang="de-DE" smtClean="0"/>
-              <a:t>v1.3 (2012-07)</a:t>
+              <a:t>v2.0</a:t>
             </a:r>
             <a:endParaRPr lang="en-US" dirty="0"/>
           </a:p>
@@ -5885,7 +5885,7 @@
           <a:p>
             <a:r>
               <a:rPr kumimoji="0" lang="de-CH" smtClean="0"/>
-              <a:t>Programmieren in Java / Einführung</a:t>
+              <a:t>Programmieren / Einleitung</a:t>
             </a:r>
             <a:endParaRPr kumimoji="0" lang="en-US"/>
           </a:p>
@@ -5971,7 +5971,7 @@
             <a:pPr lvl="1"/>
             <a:r>
               <a:rPr lang="de-CH" dirty="0" err="1" smtClean="0"/>
-              <a:t>Androids</a:t>
+              <a:t>Asteroids</a:t>
             </a:r>
             <a:endParaRPr lang="de-CH" dirty="0" smtClean="0"/>
           </a:p>
